--- a/Courses/Software-Sciences/IT-Module-4-Problem-Solving-with-ICT/01-Definition-and-Key-Stages-in-a-Software-Project/01-Definition-and-Key-Stages-in-a-Software-Project.pptx
+++ b/Courses/Software-Sciences/IT-Module-4-Problem-Solving-with-ICT/01-Definition-and-Key-Stages-in-a-Software-Project/01-Definition-and-Key-Stages-in-a-Software-Project.pptx
@@ -344,7 +344,7 @@
           <a:p>
             <a:fld id="{4E087215-0C8F-4762-A664-737A353EC9A4}" type="datetimeFigureOut">
               <a:rPr lang="bg-BG" smtClean="0"/>
-              <a:t>27.02.25 г.</a:t>
+              <a:t>27.03.25 г.</a:t>
             </a:fld>
             <a:endParaRPr lang="bg-BG"/>
           </a:p>
@@ -540,7 +540,7 @@
           <a:p>
             <a:fld id="{72D84649-876A-46C9-8472-14CB09C070D8}" type="datetimeFigureOut">
               <a:rPr lang="en-US" smtClean="0"/>
-              <a:t>2/27/25</a:t>
+              <a:t>3/27/25</a:t>
             </a:fld>
             <a:endParaRPr lang="en-US"/>
           </a:p>
@@ -27338,7 +27338,15 @@
             </a:r>
             <a:r>
               <a:rPr lang="bg-BG" sz="2600" dirty="0"/>
-              <a:t> - </a:t>
+              <a:t> </a:t>
+            </a:r>
+            <a:r>
+              <a:rPr lang="en-GB" sz="2800" dirty="0"/>
+              <a:t>–</a:t>
+            </a:r>
+            <a:r>
+              <a:rPr lang="bg-BG" sz="2600" dirty="0"/>
+              <a:t> </a:t>
             </a:r>
             <a:r>
               <a:rPr lang="bg-BG" sz="2600" b="1" dirty="0"/>

--- a/Courses/Software-Sciences/IT-Module-4-Problem-Solving-with-ICT/01-Definition-and-Key-Stages-in-a-Software-Project/01-Definition-and-Key-Stages-in-a-Software-Project.pptx
+++ b/Courses/Software-Sciences/IT-Module-4-Problem-Solving-with-ICT/01-Definition-and-Key-Stages-in-a-Software-Project/01-Definition-and-Key-Stages-in-a-Software-Project.pptx
@@ -344,7 +344,7 @@
           <a:p>
             <a:fld id="{4E087215-0C8F-4762-A664-737A353EC9A4}" type="datetimeFigureOut">
               <a:rPr lang="bg-BG" smtClean="0"/>
-              <a:t>27.03.25 г.</a:t>
+              <a:t>2.06.25 г.</a:t>
             </a:fld>
             <a:endParaRPr lang="bg-BG"/>
           </a:p>
@@ -540,7 +540,7 @@
           <a:p>
             <a:fld id="{72D84649-876A-46C9-8472-14CB09C070D8}" type="datetimeFigureOut">
               <a:rPr lang="en-US" smtClean="0"/>
-              <a:t>3/27/25</a:t>
+              <a:t>6/2/25</a:t>
             </a:fld>
             <a:endParaRPr lang="en-US"/>
           </a:p>
@@ -12185,8 +12185,8 @@
         </p:blipFill>
         <p:spPr>
           <a:xfrm>
-            <a:off x="572403" y="3038128"/>
-            <a:ext cx="1897168" cy="885072"/>
+            <a:off x="572403" y="3055226"/>
+            <a:ext cx="1897168" cy="850875"/>
           </a:xfrm>
           <a:prstGeom prst="rect">
             <a:avLst/>

--- a/Courses/Software-Sciences/IT-Module-4-Problem-Solving-with-ICT/01-Definition-and-Key-Stages-in-a-Software-Project/01-Definition-and-Key-Stages-in-a-Software-Project.pptx
+++ b/Courses/Software-Sciences/IT-Module-4-Problem-Solving-with-ICT/01-Definition-and-Key-Stages-in-a-Software-Project/01-Definition-and-Key-Stages-in-a-Software-Project.pptx
@@ -344,7 +344,7 @@
           <a:p>
             <a:fld id="{4E087215-0C8F-4762-A664-737A353EC9A4}" type="datetimeFigureOut">
               <a:rPr lang="bg-BG" smtClean="0"/>
-              <a:t>2.06.25 г.</a:t>
+              <a:t>4.09.25 г.</a:t>
             </a:fld>
             <a:endParaRPr lang="bg-BG"/>
           </a:p>
@@ -540,7 +540,7 @@
           <a:p>
             <a:fld id="{72D84649-876A-46C9-8472-14CB09C070D8}" type="datetimeFigureOut">
               <a:rPr lang="en-US" smtClean="0"/>
-              <a:t>6/2/25</a:t>
+              <a:t>9/4/25</a:t>
             </a:fld>
             <a:endParaRPr lang="en-US"/>
           </a:p>
@@ -12185,8 +12185,8 @@
         </p:blipFill>
         <p:spPr>
           <a:xfrm>
-            <a:off x="572403" y="3055226"/>
-            <a:ext cx="1897168" cy="850875"/>
+            <a:off x="572403" y="3056137"/>
+            <a:ext cx="1897168" cy="849053"/>
           </a:xfrm>
           <a:prstGeom prst="rect">
             <a:avLst/>
